--- a/FDA_DrugAdverseEffectsAnalysis.pptx
+++ b/FDA_DrugAdverseEffectsAnalysis.pptx
@@ -8,10 +8,10 @@
     <p:sldMasterId id="2147483656" r:id="rId4"/>
   </p:sldMasterIdLst>
   <p:notesMasterIdLst>
-    <p:notesMasterId r:id="rId38"/>
+    <p:notesMasterId r:id="rId41"/>
   </p:notesMasterIdLst>
   <p:handoutMasterIdLst>
-    <p:handoutMasterId r:id="rId39"/>
+    <p:handoutMasterId r:id="rId42"/>
   </p:handoutMasterIdLst>
   <p:sldIdLst>
     <p:sldId id="345" r:id="rId5"/>
@@ -45,13 +45,16 @@
     <p:sldId id="374" r:id="rId33"/>
     <p:sldId id="375" r:id="rId34"/>
     <p:sldId id="376" r:id="rId35"/>
-    <p:sldId id="377" r:id="rId36"/>
-    <p:sldId id="378" r:id="rId37"/>
+    <p:sldId id="379" r:id="rId36"/>
+    <p:sldId id="380" r:id="rId37"/>
+    <p:sldId id="381" r:id="rId38"/>
+    <p:sldId id="377" r:id="rId39"/>
+    <p:sldId id="378" r:id="rId40"/>
   </p:sldIdLst>
   <p:sldSz cx="9144000" cy="5143500" type="screen16x9"/>
   <p:notesSz cx="6670675" cy="9875838"/>
   <p:custDataLst>
-    <p:tags r:id="rId40"/>
+    <p:tags r:id="rId43"/>
   </p:custDataLst>
   <p:defaultTextStyle>
     <a:defPPr>
@@ -186,10 +189,6 @@
 </p:presentation>
 </file>
 
-<file path=ppt/revisionInfo.xml><?xml version="1.0" encoding="utf-8"?>
-<p1510:revInfo xmlns:a="http://schemas.openxmlformats.org/drawingml/2006/main" xmlns:r="http://schemas.openxmlformats.org/officeDocument/2006/relationships" xmlns:p1510="http://schemas.microsoft.com/office/powerpoint/2015/10/main"/>
-</file>
-
 <file path=ppt/handoutMasters/handoutMaster1.xml><?xml version="1.0" encoding="utf-8"?>
 <p:handoutMaster xmlns:a="http://schemas.openxmlformats.org/drawingml/2006/main" xmlns:r="http://schemas.openxmlformats.org/officeDocument/2006/relationships" xmlns:p="http://schemas.openxmlformats.org/presentationml/2006/main">
   <p:cSld>
@@ -273,7 +272,7 @@
             <a:fld id="{3BBED7E8-0829-F34C-B479-A757805E6C1B}" type="datetimeFigureOut">
               <a:rPr lang="en-US" smtClean="0"/>
               <a:pPr/>
-              <a:t>4/24/2018</a:t>
+              <a:t>4/24/18</a:t>
             </a:fld>
             <a:endParaRPr lang="en-US"/>
           </a:p>
@@ -441,7 +440,7 @@
             <a:fld id="{6C7E4F11-7667-5045-A00B-01970EA44BB5}" type="datetimeFigureOut">
               <a:rPr lang="en-US" smtClean="0"/>
               <a:pPr/>
-              <a:t>4/24/2018</a:t>
+              <a:t>4/24/18</a:t>
             </a:fld>
             <a:endParaRPr lang="en-US"/>
           </a:p>
@@ -2453,7 +2452,7 @@
             <a:fld id="{B61BEF0D-F0BB-DE4B-95CE-6DB70DBA9567}" type="datetimeFigureOut">
               <a:rPr lang="en-US" smtClean="0"/>
               <a:pPr/>
-              <a:t>4/24/2018</a:t>
+              <a:t>4/24/18</a:t>
             </a:fld>
             <a:endParaRPr lang="en-US" dirty="0"/>
           </a:p>
@@ -2867,7 +2866,7 @@
             <a:fld id="{B61BEF0D-F0BB-DE4B-95CE-6DB70DBA9567}" type="datetimeFigureOut">
               <a:rPr lang="en-US" smtClean="0"/>
               <a:pPr/>
-              <a:t>4/24/2018</a:t>
+              <a:t>4/24/18</a:t>
             </a:fld>
             <a:endParaRPr lang="en-US" dirty="0"/>
           </a:p>
@@ -2964,7 +2963,7 @@
             <a:fld id="{B61BEF0D-F0BB-DE4B-95CE-6DB70DBA9567}" type="datetimeFigureOut">
               <a:rPr lang="en-US" smtClean="0"/>
               <a:pPr/>
-              <a:t>4/24/2018</a:t>
+              <a:t>4/24/18</a:t>
             </a:fld>
             <a:endParaRPr lang="en-US" dirty="0"/>
           </a:p>
@@ -23012,7 +23011,7 @@
         </p:spPr>
         <p:txBody>
           <a:bodyPr>
-            <a:normAutofit fontScale="85000" lnSpcReduction="20000"/>
+            <a:normAutofit fontScale="77500" lnSpcReduction="20000"/>
           </a:bodyPr>
           <a:lstStyle/>
           <a:p>
@@ -23022,7 +23021,7 @@
             </a:pPr>
             <a:r>
               <a:rPr lang="en-GB" dirty="0"/>
-              <a:t>Most of the data come from the US.  This may present difficulties for Q1.</a:t>
+              <a:t>Most of the data come from the US.  This may present difficulties for Question 1.</a:t>
             </a:r>
           </a:p>
           <a:p>
@@ -23032,7 +23031,7 @@
             </a:pPr>
             <a:r>
               <a:rPr lang="en-GB" dirty="0"/>
-              <a:t>A few disease areas/indications are more common than others and there is a large proportion of reports that do not contain this information.  This complicates Q2.</a:t>
+              <a:t>A few disease areas/indications are more common than others and there is a large proportion of reports that do not contain this information.  This complicates Question 2.</a:t>
             </a:r>
           </a:p>
           <a:p>
@@ -23052,7 +23051,7 @@
             </a:pPr>
             <a:r>
               <a:rPr lang="en-GB" dirty="0"/>
-              <a:t>Consequently, dose information may be less useful, unless combined with information about the actual product.</a:t>
+              <a:t>Additionally, this complication makes the dose information available in the reports less useful, unless combined with information about the actual product.</a:t>
             </a:r>
           </a:p>
           <a:p>
@@ -23062,7 +23061,7 @@
             </a:pPr>
             <a:r>
               <a:rPr lang="en-GB" dirty="0"/>
-              <a:t>When information is missing in the main body of the report, sometimes is included in the </a:t>
+              <a:t>When information is missing in the main body of the report, sometimes it is included in the </a:t>
             </a:r>
             <a:r>
               <a:rPr lang="en-GB" dirty="0" err="1"/>
@@ -23070,7 +23069,7 @@
             </a:r>
             <a:r>
               <a:rPr lang="en-GB" dirty="0"/>
-              <a:t> field.  Nevertheless, due to time constraints, I restricted myself to the information present in the main body of the report.</a:t>
+              <a:t> field.  Nevertheless, due to time constraints, I restricted myself to the information present in only one source.</a:t>
             </a:r>
           </a:p>
           <a:p>
@@ -23080,7 +23079,7 @@
             </a:pPr>
             <a:r>
               <a:rPr lang="en-GB" dirty="0"/>
-              <a:t>Some reports contain errors about patient ages (age &gt; 122 years!).</a:t>
+              <a:t>Some reports contain errors about patient ages (age &gt; 122 years!).  The age field in these cases was set to “not available”.</a:t>
             </a:r>
           </a:p>
         </p:txBody>
@@ -23192,7 +23191,7 @@
         <p:spPr>
           <a:xfrm>
             <a:off x="237061" y="800238"/>
-            <a:ext cx="8542666" cy="1578689"/>
+            <a:ext cx="8542666" cy="1759885"/>
           </a:xfrm>
         </p:spPr>
         <p:txBody>
@@ -23215,7 +23214,7 @@
             </a:r>
             <a:r>
               <a:rPr lang="en-GB" dirty="0"/>
-              <a:t>, Date, Country, patient age &amp; sex, disease area, substance name and route.</a:t>
+              <a:t>, Date, Country, patient Age &amp; Sex, disease area (Indication), Substance name and Route.</a:t>
             </a:r>
           </a:p>
           <a:p>
@@ -23225,7 +23224,7 @@
             </a:pPr>
             <a:r>
               <a:rPr lang="en-GB" dirty="0"/>
-              <a:t>As it turns out, again due to time constraints, I did not use all this information in the EDA.  But when sub-setting countries and adverse effects (see below), I did check that I still have a good representation of sexes and ages. </a:t>
+              <a:t>As it turns out, again due to time constraints, I did not use all this information in the EDA.  But when sub-setting countries and adverse effects (see below), I did check that I still had a good representation of sexes and ages. </a:t>
             </a:r>
           </a:p>
           <a:p>
@@ -23235,7 +23234,7 @@
             </a:pPr>
             <a:r>
               <a:rPr lang="en-GB" dirty="0"/>
-              <a:t>In fact, I notice that 60% of the adverse effects were reported on female patients.  This could merit further exploration in the context of some recent research.</a:t>
+              <a:t>In fact, I noticed that 60% of the adverse effects were reported on female patients.  This could merit further exploration in the context of some recent research about sex differences.</a:t>
             </a:r>
           </a:p>
         </p:txBody>
@@ -23292,8 +23291,8 @@
         </p:blipFill>
         <p:spPr>
           <a:xfrm>
-            <a:off x="3678591" y="2378927"/>
-            <a:ext cx="4555618" cy="2632674"/>
+            <a:off x="3992137" y="2560123"/>
+            <a:ext cx="4242072" cy="2451477"/>
           </a:xfrm>
           <a:prstGeom prst="rect">
             <a:avLst/>
@@ -23314,8 +23313,8 @@
         </p:nvSpPr>
         <p:spPr>
           <a:xfrm>
-            <a:off x="526753" y="2720898"/>
-            <a:ext cx="2900388" cy="1200329"/>
+            <a:off x="714375" y="2712361"/>
+            <a:ext cx="2900388" cy="1138773"/>
           </a:xfrm>
           <a:prstGeom prst="rect">
             <a:avLst/>
@@ -23329,7 +23328,7 @@
           <a:lstStyle/>
           <a:p>
             <a:r>
-              <a:rPr lang="en-GB" dirty="0"/>
+              <a:rPr lang="en-GB" sz="1700" dirty="0"/>
               <a:t>On the other hand, the left-skewness of the Age distribution in this dataset was unsurprising.</a:t>
             </a:r>
           </a:p>
@@ -23424,8 +23423,8 @@
               <a:buChar char="•"/>
             </a:pPr>
             <a:r>
-              <a:rPr lang="en-GB" dirty="0"/>
-              <a:t>I chose to answer Q1, mostly due to time constraints.</a:t>
+              <a:rPr lang="en-GB" sz="2000" dirty="0"/>
+              <a:t>I chose to answer Q1, mostly due to time constraints.  But I also had time to start exploring relationships between the most prevalence adverse effects.</a:t>
             </a:r>
           </a:p>
           <a:p>
@@ -23434,8 +23433,8 @@
               <a:buChar char="•"/>
             </a:pPr>
             <a:r>
-              <a:rPr lang="en-GB" dirty="0"/>
-              <a:t>Q2 would required dealing with the large proportion of missing information about indication and the great diversity of indications and adverse effects.</a:t>
+              <a:rPr lang="en-GB" sz="2000" dirty="0"/>
+              <a:t>Q2 would require dealing with the large proportion of missing information about indication and the great diversity of indications and adverse effects.</a:t>
             </a:r>
           </a:p>
           <a:p>
@@ -23444,8 +23443,8 @@
               <a:buChar char="•"/>
             </a:pPr>
             <a:r>
-              <a:rPr lang="en-GB" dirty="0"/>
-              <a:t>Q3 would require more data wrangling to extract all the active principles taken by a patience and be complicated by lack of information about doses.</a:t>
+              <a:rPr lang="en-GB" sz="2000" dirty="0"/>
+              <a:t>Q3 would require more data wrangling to extract all the active principles taken by a patient and may be complicated by lack of information about doses.</a:t>
             </a:r>
           </a:p>
         </p:txBody>
@@ -23534,8 +23533,8 @@
           <a:lstStyle/>
           <a:p>
             <a:r>
-              <a:rPr lang="en-GB" dirty="0"/>
-              <a:t>Country Analysis based on Adverse Effects Relative Frequencies</a:t>
+              <a:rPr lang="en-GB" sz="2200" dirty="0"/>
+              <a:t>Country Analysis based on Adverse Effects Relative Proportions</a:t>
             </a:r>
             <a:br>
               <a:rPr lang="en-GB" dirty="0"/>
@@ -23659,7 +23658,7 @@
             </a:pPr>
             <a:r>
               <a:rPr lang="en-GB" dirty="0"/>
-              <a:t>This allows for situation with more classes (countries) than features (adverse effects), with similar numbers and with the more features than countries.</a:t>
+              <a:t>This allows for situation with more classes (countries) than features (adverse effects), with similar numbers of both and with more features than classes.</a:t>
             </a:r>
           </a:p>
           <a:p>
@@ -23669,7 +23668,7 @@
             </a:pPr>
             <a:r>
               <a:rPr lang="en-GB" dirty="0"/>
-              <a:t>Once I certain number of features is selected, a vector is computed for each country representing the proportion of occurrence of each selected feature in the reports from that country.  Proportion for each feature set sum up to 1.</a:t>
+              <a:t>Once a certain number of features is selected, a vector is computed for each country representing the proportion of occurrence of each selected feature in the reports from that country that contain one feature in the selected feature set.  Proportions of all features in a feature set for each country sum up to 1.</a:t>
             </a:r>
           </a:p>
           <a:p>
@@ -23679,7 +23678,7 @@
             </a:pPr>
             <a:r>
               <a:rPr lang="en-GB" dirty="0"/>
-              <a:t>This is expected to compensate for the large differences in the number of reports coming from different countries.</a:t>
+              <a:t>This is a quick and somewhat ad hoc way of trying to compensate for the large differences in the number of reports coming from different countries.</a:t>
             </a:r>
           </a:p>
           <a:p>
@@ -23832,7 +23831,7 @@
         </p:blipFill>
         <p:spPr>
           <a:xfrm>
-            <a:off x="1951464" y="815251"/>
+            <a:off x="2501590" y="820558"/>
             <a:ext cx="5241073" cy="4278000"/>
           </a:xfrm>
           <a:prstGeom prst="rect">
@@ -23840,6 +23839,46 @@
           </a:prstGeom>
         </p:spPr>
       </p:pic>
+      <p:sp>
+        <p:nvSpPr>
+          <p:cNvPr id="5" name="TextBox 4">
+            <a:extLst>
+              <a:ext uri="{FF2B5EF4-FFF2-40B4-BE49-F238E27FC236}">
+                <a16:creationId xmlns:a16="http://schemas.microsoft.com/office/drawing/2014/main" id="{CDB49364-44EA-D24B-A9B0-097233740C49}"/>
+              </a:ext>
+            </a:extLst>
+          </p:cNvPr>
+          <p:cNvSpPr txBox="1"/>
+          <p:nvPr/>
+        </p:nvSpPr>
+        <p:spPr>
+          <a:xfrm>
+            <a:off x="318375" y="820558"/>
+            <a:ext cx="2087046" cy="369332"/>
+          </a:xfrm>
+          <a:prstGeom prst="rect">
+            <a:avLst/>
+          </a:prstGeom>
+          <a:noFill/>
+          <a:ln w="25400">
+            <a:solidFill>
+              <a:srgbClr val="C00000"/>
+            </a:solidFill>
+          </a:ln>
+        </p:spPr>
+        <p:txBody>
+          <a:bodyPr wrap="none" rtlCol="0">
+            <a:spAutoFit/>
+          </a:bodyPr>
+          <a:lstStyle/>
+          <a:p>
+            <a:r>
+              <a:rPr lang="en-GB" dirty="0"/>
+              <a:t>11 Adverse Effects</a:t>
+            </a:r>
+          </a:p>
+        </p:txBody>
+      </p:sp>
     </p:spTree>
     <p:extLst>
       <p:ext uri="{BB962C8B-B14F-4D97-AF65-F5344CB8AC3E}">
@@ -23900,6 +23939,46 @@
           </a:prstGeom>
         </p:spPr>
       </p:pic>
+      <p:sp>
+        <p:nvSpPr>
+          <p:cNvPr id="3" name="TextBox 2">
+            <a:extLst>
+              <a:ext uri="{FF2B5EF4-FFF2-40B4-BE49-F238E27FC236}">
+                <a16:creationId xmlns:a16="http://schemas.microsoft.com/office/drawing/2014/main" id="{1E9501A3-0DF5-1849-A610-C2770D481B77}"/>
+              </a:ext>
+            </a:extLst>
+          </p:cNvPr>
+          <p:cNvSpPr txBox="1"/>
+          <p:nvPr/>
+        </p:nvSpPr>
+        <p:spPr>
+          <a:xfrm>
+            <a:off x="490654" y="161425"/>
+            <a:ext cx="441146" cy="369332"/>
+          </a:xfrm>
+          <a:prstGeom prst="rect">
+            <a:avLst/>
+          </a:prstGeom>
+          <a:noFill/>
+          <a:ln w="25400">
+            <a:solidFill>
+              <a:srgbClr val="C00000"/>
+            </a:solidFill>
+          </a:ln>
+        </p:spPr>
+        <p:txBody>
+          <a:bodyPr wrap="none" rtlCol="0">
+            <a:spAutoFit/>
+          </a:bodyPr>
+          <a:lstStyle/>
+          <a:p>
+            <a:r>
+              <a:rPr lang="en-GB" dirty="0"/>
+              <a:t>21</a:t>
+            </a:r>
+          </a:p>
+        </p:txBody>
+      </p:sp>
     </p:spTree>
     <p:extLst>
       <p:ext uri="{BB962C8B-B14F-4D97-AF65-F5344CB8AC3E}">
@@ -23990,6 +24069,46 @@
           </a:prstGeom>
         </p:spPr>
       </p:pic>
+      <p:sp>
+        <p:nvSpPr>
+          <p:cNvPr id="5" name="TextBox 4">
+            <a:extLst>
+              <a:ext uri="{FF2B5EF4-FFF2-40B4-BE49-F238E27FC236}">
+                <a16:creationId xmlns:a16="http://schemas.microsoft.com/office/drawing/2014/main" id="{B6221A78-5F0B-2A43-8EB6-500FBF4572DB}"/>
+              </a:ext>
+            </a:extLst>
+          </p:cNvPr>
+          <p:cNvSpPr txBox="1"/>
+          <p:nvPr/>
+        </p:nvSpPr>
+        <p:spPr>
+          <a:xfrm>
+            <a:off x="929268" y="310107"/>
+            <a:ext cx="441146" cy="369332"/>
+          </a:xfrm>
+          <a:prstGeom prst="rect">
+            <a:avLst/>
+          </a:prstGeom>
+          <a:noFill/>
+          <a:ln w="25400">
+            <a:solidFill>
+              <a:srgbClr val="C00000"/>
+            </a:solidFill>
+          </a:ln>
+        </p:spPr>
+        <p:txBody>
+          <a:bodyPr wrap="none" rtlCol="0">
+            <a:spAutoFit/>
+          </a:bodyPr>
+          <a:lstStyle/>
+          <a:p>
+            <a:r>
+              <a:rPr lang="en-GB" dirty="0"/>
+              <a:t>28</a:t>
+            </a:r>
+          </a:p>
+        </p:txBody>
+      </p:sp>
     </p:spTree>
     <p:extLst>
       <p:ext uri="{BB962C8B-B14F-4D97-AF65-F5344CB8AC3E}">
@@ -24050,6 +24169,46 @@
           </a:prstGeom>
         </p:spPr>
       </p:pic>
+      <p:sp>
+        <p:nvSpPr>
+          <p:cNvPr id="3" name="TextBox 2">
+            <a:extLst>
+              <a:ext uri="{FF2B5EF4-FFF2-40B4-BE49-F238E27FC236}">
+                <a16:creationId xmlns:a16="http://schemas.microsoft.com/office/drawing/2014/main" id="{F6059AF2-8A29-1949-A2F9-47CBAFE2347E}"/>
+              </a:ext>
+            </a:extLst>
+          </p:cNvPr>
+          <p:cNvSpPr txBox="1"/>
+          <p:nvPr/>
+        </p:nvSpPr>
+        <p:spPr>
+          <a:xfrm>
+            <a:off x="795734" y="287805"/>
+            <a:ext cx="441146" cy="369332"/>
+          </a:xfrm>
+          <a:prstGeom prst="rect">
+            <a:avLst/>
+          </a:prstGeom>
+          <a:noFill/>
+          <a:ln w="25400">
+            <a:solidFill>
+              <a:srgbClr val="C00000"/>
+            </a:solidFill>
+          </a:ln>
+        </p:spPr>
+        <p:txBody>
+          <a:bodyPr wrap="none" rtlCol="0">
+            <a:spAutoFit/>
+          </a:bodyPr>
+          <a:lstStyle/>
+          <a:p>
+            <a:r>
+              <a:rPr lang="en-GB" dirty="0"/>
+              <a:t>42</a:t>
+            </a:r>
+          </a:p>
+        </p:txBody>
+      </p:sp>
     </p:spTree>
     <p:extLst>
       <p:ext uri="{BB962C8B-B14F-4D97-AF65-F5344CB8AC3E}">
@@ -24101,9 +24260,10 @@
           <a:bodyPr/>
           <a:lstStyle/>
           <a:p>
-            <a:r>
-              <a:rPr lang="en-GB" dirty="0"/>
-              <a:t>Negative Correlations between Adverse Effects</a:t>
+            <a:pPr algn="l"/>
+            <a:r>
+              <a:rPr lang="en-GB" sz="2000" dirty="0"/>
+              <a:t>    Negative Correlations between Adverse Effects</a:t>
             </a:r>
           </a:p>
         </p:txBody>
@@ -24160,7 +24320,7 @@
         </p:blipFill>
         <p:spPr>
           <a:xfrm>
-            <a:off x="1855505" y="708848"/>
+            <a:off x="2584051" y="708848"/>
             <a:ext cx="5432991" cy="4434652"/>
           </a:xfrm>
           <a:prstGeom prst="rect">
@@ -24168,6 +24328,46 @@
           </a:prstGeom>
         </p:spPr>
       </p:pic>
+      <p:sp>
+        <p:nvSpPr>
+          <p:cNvPr id="5" name="TextBox 4">
+            <a:extLst>
+              <a:ext uri="{FF2B5EF4-FFF2-40B4-BE49-F238E27FC236}">
+                <a16:creationId xmlns:a16="http://schemas.microsoft.com/office/drawing/2014/main" id="{30EE9222-7EE0-1543-86F9-CE164E13FAA5}"/>
+              </a:ext>
+            </a:extLst>
+          </p:cNvPr>
+          <p:cNvSpPr txBox="1"/>
+          <p:nvPr/>
+        </p:nvSpPr>
+        <p:spPr>
+          <a:xfrm>
+            <a:off x="318375" y="708848"/>
+            <a:ext cx="2087046" cy="369332"/>
+          </a:xfrm>
+          <a:prstGeom prst="rect">
+            <a:avLst/>
+          </a:prstGeom>
+          <a:noFill/>
+          <a:ln w="25400">
+            <a:solidFill>
+              <a:srgbClr val="C00000"/>
+            </a:solidFill>
+          </a:ln>
+        </p:spPr>
+        <p:txBody>
+          <a:bodyPr wrap="none" rtlCol="0">
+            <a:spAutoFit/>
+          </a:bodyPr>
+          <a:lstStyle/>
+          <a:p>
+            <a:r>
+              <a:rPr lang="en-GB" dirty="0"/>
+              <a:t>11 Adverse Effects</a:t>
+            </a:r>
+          </a:p>
+        </p:txBody>
+      </p:sp>
     </p:spTree>
     <p:extLst>
       <p:ext uri="{BB962C8B-B14F-4D97-AF65-F5344CB8AC3E}">
@@ -24268,7 +24468,7 @@
             </a:pPr>
             <a:r>
               <a:rPr lang="en-GB" sz="2000" dirty="0"/>
-              <a:t>Limitations of the data, exploratory data analysis and question selection.</a:t>
+              <a:t>Limitations of the data, exploratory data analysis and question(s) selection.</a:t>
             </a:r>
           </a:p>
           <a:p>
@@ -24278,7 +24478,7 @@
             </a:pPr>
             <a:r>
               <a:rPr lang="en-GB" sz="2000" dirty="0"/>
-              <a:t>Question selection.</a:t>
+              <a:t>Country analysis based on relative proportions of adverse effects.</a:t>
             </a:r>
           </a:p>
           <a:p>
@@ -24288,17 +24488,7 @@
             </a:pPr>
             <a:r>
               <a:rPr lang="en-GB" sz="2000" dirty="0"/>
-              <a:t>Country analysis based on adverse effects relative frequencies.</a:t>
-            </a:r>
-          </a:p>
-          <a:p>
-            <a:pPr marL="342900" indent="-342900">
-              <a:buFont typeface="Arial" panose="020B0604020202020204" pitchFamily="34" charset="0"/>
-              <a:buChar char="•"/>
-            </a:pPr>
-            <a:r>
-              <a:rPr lang="en-GB" sz="2000" dirty="0"/>
-              <a:t>Country analysis based on co-occurrences of adverse effects.</a:t>
+              <a:t>Country analysis based on frequencies of adverse effects.</a:t>
             </a:r>
           </a:p>
           <a:p>
@@ -24403,6 +24593,46 @@
           </a:prstGeom>
         </p:spPr>
       </p:pic>
+      <p:sp>
+        <p:nvSpPr>
+          <p:cNvPr id="4" name="TextBox 3">
+            <a:extLst>
+              <a:ext uri="{FF2B5EF4-FFF2-40B4-BE49-F238E27FC236}">
+                <a16:creationId xmlns:a16="http://schemas.microsoft.com/office/drawing/2014/main" id="{AFA69178-CCC7-294B-AAF6-2D5487AF43B3}"/>
+              </a:ext>
+            </a:extLst>
+          </p:cNvPr>
+          <p:cNvSpPr txBox="1"/>
+          <p:nvPr/>
+        </p:nvSpPr>
+        <p:spPr>
+          <a:xfrm>
+            <a:off x="728546" y="287805"/>
+            <a:ext cx="441146" cy="369332"/>
+          </a:xfrm>
+          <a:prstGeom prst="rect">
+            <a:avLst/>
+          </a:prstGeom>
+          <a:noFill/>
+          <a:ln w="25400">
+            <a:solidFill>
+              <a:srgbClr val="C00000"/>
+            </a:solidFill>
+          </a:ln>
+        </p:spPr>
+        <p:txBody>
+          <a:bodyPr wrap="none" rtlCol="0">
+            <a:spAutoFit/>
+          </a:bodyPr>
+          <a:lstStyle/>
+          <a:p>
+            <a:r>
+              <a:rPr lang="en-GB" dirty="0"/>
+              <a:t>21</a:t>
+            </a:r>
+          </a:p>
+        </p:txBody>
+      </p:sp>
     </p:spTree>
     <p:extLst>
       <p:ext uri="{BB962C8B-B14F-4D97-AF65-F5344CB8AC3E}">
@@ -24463,6 +24693,46 @@
           </a:prstGeom>
         </p:spPr>
       </p:pic>
+      <p:sp>
+        <p:nvSpPr>
+          <p:cNvPr id="4" name="TextBox 3">
+            <a:extLst>
+              <a:ext uri="{FF2B5EF4-FFF2-40B4-BE49-F238E27FC236}">
+                <a16:creationId xmlns:a16="http://schemas.microsoft.com/office/drawing/2014/main" id="{3422F982-C298-0A4B-B0DA-06EEE5D5BFC2}"/>
+              </a:ext>
+            </a:extLst>
+          </p:cNvPr>
+          <p:cNvSpPr txBox="1"/>
+          <p:nvPr/>
+        </p:nvSpPr>
+        <p:spPr>
+          <a:xfrm>
+            <a:off x="527824" y="258069"/>
+            <a:ext cx="441146" cy="369332"/>
+          </a:xfrm>
+          <a:prstGeom prst="rect">
+            <a:avLst/>
+          </a:prstGeom>
+          <a:noFill/>
+          <a:ln w="25400">
+            <a:solidFill>
+              <a:srgbClr val="C00000"/>
+            </a:solidFill>
+          </a:ln>
+        </p:spPr>
+        <p:txBody>
+          <a:bodyPr wrap="none" rtlCol="0">
+            <a:spAutoFit/>
+          </a:bodyPr>
+          <a:lstStyle/>
+          <a:p>
+            <a:r>
+              <a:rPr lang="en-GB" dirty="0"/>
+              <a:t>28</a:t>
+            </a:r>
+          </a:p>
+        </p:txBody>
+      </p:sp>
     </p:spTree>
     <p:extLst>
       <p:ext uri="{BB962C8B-B14F-4D97-AF65-F5344CB8AC3E}">
@@ -24553,6 +24823,46 @@
           </a:prstGeom>
         </p:spPr>
       </p:pic>
+      <p:sp>
+        <p:nvSpPr>
+          <p:cNvPr id="4" name="TextBox 3">
+            <a:extLst>
+              <a:ext uri="{FF2B5EF4-FFF2-40B4-BE49-F238E27FC236}">
+                <a16:creationId xmlns:a16="http://schemas.microsoft.com/office/drawing/2014/main" id="{75516EBE-7988-CF4D-9603-CFCC859C4D9D}"/>
+              </a:ext>
+            </a:extLst>
+          </p:cNvPr>
+          <p:cNvSpPr txBox="1"/>
+          <p:nvPr/>
+        </p:nvSpPr>
+        <p:spPr>
+          <a:xfrm>
+            <a:off x="583720" y="324976"/>
+            <a:ext cx="441146" cy="369332"/>
+          </a:xfrm>
+          <a:prstGeom prst="rect">
+            <a:avLst/>
+          </a:prstGeom>
+          <a:noFill/>
+          <a:ln w="25400">
+            <a:solidFill>
+              <a:srgbClr val="C00000"/>
+            </a:solidFill>
+          </a:ln>
+        </p:spPr>
+        <p:txBody>
+          <a:bodyPr wrap="none" rtlCol="0">
+            <a:spAutoFit/>
+          </a:bodyPr>
+          <a:lstStyle/>
+          <a:p>
+            <a:r>
+              <a:rPr lang="en-GB" dirty="0"/>
+              <a:t>42</a:t>
+            </a:r>
+          </a:p>
+        </p:txBody>
+      </p:sp>
     </p:spTree>
     <p:extLst>
       <p:ext uri="{BB962C8B-B14F-4D97-AF65-F5344CB8AC3E}">
@@ -24670,7 +24980,7 @@
         </p:blipFill>
         <p:spPr>
           <a:xfrm>
-            <a:off x="2026739" y="394470"/>
+            <a:off x="2837061" y="453943"/>
             <a:ext cx="5604471" cy="4689557"/>
           </a:xfrm>
           <a:prstGeom prst="rect">
@@ -24678,6 +24988,46 @@
           </a:prstGeom>
         </p:spPr>
       </p:pic>
+      <p:sp>
+        <p:nvSpPr>
+          <p:cNvPr id="5" name="TextBox 4">
+            <a:extLst>
+              <a:ext uri="{FF2B5EF4-FFF2-40B4-BE49-F238E27FC236}">
+                <a16:creationId xmlns:a16="http://schemas.microsoft.com/office/drawing/2014/main" id="{724BA95E-49C5-F946-B60B-2904B219BACB}"/>
+              </a:ext>
+            </a:extLst>
+          </p:cNvPr>
+          <p:cNvSpPr txBox="1"/>
+          <p:nvPr/>
+        </p:nvSpPr>
+        <p:spPr>
+          <a:xfrm>
+            <a:off x="327034" y="956878"/>
+            <a:ext cx="2087046" cy="369332"/>
+          </a:xfrm>
+          <a:prstGeom prst="rect">
+            <a:avLst/>
+          </a:prstGeom>
+          <a:noFill/>
+          <a:ln w="25400">
+            <a:solidFill>
+              <a:srgbClr val="C00000"/>
+            </a:solidFill>
+          </a:ln>
+        </p:spPr>
+        <p:txBody>
+          <a:bodyPr wrap="none" rtlCol="0">
+            <a:spAutoFit/>
+          </a:bodyPr>
+          <a:lstStyle/>
+          <a:p>
+            <a:r>
+              <a:rPr lang="en-GB" dirty="0"/>
+              <a:t>11 Adverse Effects</a:t>
+            </a:r>
+          </a:p>
+        </p:txBody>
+      </p:sp>
     </p:spTree>
     <p:extLst>
       <p:ext uri="{BB962C8B-B14F-4D97-AF65-F5344CB8AC3E}">
@@ -24737,6 +25087,46 @@
           </a:prstGeom>
         </p:spPr>
       </p:pic>
+      <p:sp>
+        <p:nvSpPr>
+          <p:cNvPr id="4" name="TextBox 3">
+            <a:extLst>
+              <a:ext uri="{FF2B5EF4-FFF2-40B4-BE49-F238E27FC236}">
+                <a16:creationId xmlns:a16="http://schemas.microsoft.com/office/drawing/2014/main" id="{960083ED-5472-EF4F-B7B7-59596DB9DE92}"/>
+              </a:ext>
+            </a:extLst>
+          </p:cNvPr>
+          <p:cNvSpPr txBox="1"/>
+          <p:nvPr/>
+        </p:nvSpPr>
+        <p:spPr>
+          <a:xfrm>
+            <a:off x="483219" y="258068"/>
+            <a:ext cx="441146" cy="369332"/>
+          </a:xfrm>
+          <a:prstGeom prst="rect">
+            <a:avLst/>
+          </a:prstGeom>
+          <a:noFill/>
+          <a:ln w="25400">
+            <a:solidFill>
+              <a:srgbClr val="C00000"/>
+            </a:solidFill>
+          </a:ln>
+        </p:spPr>
+        <p:txBody>
+          <a:bodyPr wrap="none" rtlCol="0">
+            <a:spAutoFit/>
+          </a:bodyPr>
+          <a:lstStyle/>
+          <a:p>
+            <a:r>
+              <a:rPr lang="en-GB" dirty="0"/>
+              <a:t>21</a:t>
+            </a:r>
+          </a:p>
+        </p:txBody>
+      </p:sp>
     </p:spTree>
     <p:extLst>
       <p:ext uri="{BB962C8B-B14F-4D97-AF65-F5344CB8AC3E}">
@@ -24796,6 +25186,46 @@
           </a:prstGeom>
         </p:spPr>
       </p:pic>
+      <p:sp>
+        <p:nvSpPr>
+          <p:cNvPr id="4" name="TextBox 3">
+            <a:extLst>
+              <a:ext uri="{FF2B5EF4-FFF2-40B4-BE49-F238E27FC236}">
+                <a16:creationId xmlns:a16="http://schemas.microsoft.com/office/drawing/2014/main" id="{0297E0D9-0833-0343-B070-D33664AD7C2D}"/>
+              </a:ext>
+            </a:extLst>
+          </p:cNvPr>
+          <p:cNvSpPr txBox="1"/>
+          <p:nvPr/>
+        </p:nvSpPr>
+        <p:spPr>
+          <a:xfrm>
+            <a:off x="490654" y="280371"/>
+            <a:ext cx="441146" cy="369332"/>
+          </a:xfrm>
+          <a:prstGeom prst="rect">
+            <a:avLst/>
+          </a:prstGeom>
+          <a:noFill/>
+          <a:ln w="25400">
+            <a:solidFill>
+              <a:srgbClr val="C00000"/>
+            </a:solidFill>
+          </a:ln>
+        </p:spPr>
+        <p:txBody>
+          <a:bodyPr wrap="none" rtlCol="0">
+            <a:spAutoFit/>
+          </a:bodyPr>
+          <a:lstStyle/>
+          <a:p>
+            <a:r>
+              <a:rPr lang="en-GB" dirty="0"/>
+              <a:t>28</a:t>
+            </a:r>
+          </a:p>
+        </p:txBody>
+      </p:sp>
     </p:spTree>
     <p:extLst>
       <p:ext uri="{BB962C8B-B14F-4D97-AF65-F5344CB8AC3E}">
@@ -24855,6 +25285,46 @@
           </a:prstGeom>
         </p:spPr>
       </p:pic>
+      <p:sp>
+        <p:nvSpPr>
+          <p:cNvPr id="4" name="TextBox 3">
+            <a:extLst>
+              <a:ext uri="{FF2B5EF4-FFF2-40B4-BE49-F238E27FC236}">
+                <a16:creationId xmlns:a16="http://schemas.microsoft.com/office/drawing/2014/main" id="{EEAAEB5E-C47B-8E45-A098-B63821A904FF}"/>
+              </a:ext>
+            </a:extLst>
+          </p:cNvPr>
+          <p:cNvSpPr txBox="1"/>
+          <p:nvPr/>
+        </p:nvSpPr>
+        <p:spPr>
+          <a:xfrm>
+            <a:off x="490653" y="280371"/>
+            <a:ext cx="441146" cy="369332"/>
+          </a:xfrm>
+          <a:prstGeom prst="rect">
+            <a:avLst/>
+          </a:prstGeom>
+          <a:noFill/>
+          <a:ln w="25400">
+            <a:solidFill>
+              <a:srgbClr val="C00000"/>
+            </a:solidFill>
+          </a:ln>
+        </p:spPr>
+        <p:txBody>
+          <a:bodyPr wrap="none" rtlCol="0">
+            <a:spAutoFit/>
+          </a:bodyPr>
+          <a:lstStyle/>
+          <a:p>
+            <a:r>
+              <a:rPr lang="en-GB" dirty="0"/>
+              <a:t>42</a:t>
+            </a:r>
+          </a:p>
+        </p:txBody>
+      </p:sp>
     </p:spTree>
     <p:extLst>
       <p:ext uri="{BB962C8B-B14F-4D97-AF65-F5344CB8AC3E}">
@@ -24913,7 +25383,7 @@
             </a:r>
             <a:r>
               <a:rPr lang="en-GB" sz="2000" dirty="0" err="1"/>
-              <a:t>Mediod</a:t>
+              <a:t>Mediods</a:t>
             </a:r>
             <a:r>
               <a:rPr lang="en-GB" sz="2000" dirty="0"/>
@@ -24974,7 +25444,7 @@
         </p:blipFill>
         <p:spPr>
           <a:xfrm>
-            <a:off x="1615468" y="671302"/>
+            <a:off x="2730590" y="455556"/>
             <a:ext cx="5913065" cy="4472198"/>
           </a:xfrm>
           <a:prstGeom prst="rect">
@@ -24982,6 +25452,46 @@
           </a:prstGeom>
         </p:spPr>
       </p:pic>
+      <p:sp>
+        <p:nvSpPr>
+          <p:cNvPr id="6" name="TextBox 5">
+            <a:extLst>
+              <a:ext uri="{FF2B5EF4-FFF2-40B4-BE49-F238E27FC236}">
+                <a16:creationId xmlns:a16="http://schemas.microsoft.com/office/drawing/2014/main" id="{D62ABEF7-3934-8E4C-907E-E03A0D55DBF3}"/>
+              </a:ext>
+            </a:extLst>
+          </p:cNvPr>
+          <p:cNvSpPr txBox="1"/>
+          <p:nvPr/>
+        </p:nvSpPr>
+        <p:spPr>
+          <a:xfrm>
+            <a:off x="371707" y="800761"/>
+            <a:ext cx="2087046" cy="369332"/>
+          </a:xfrm>
+          <a:prstGeom prst="rect">
+            <a:avLst/>
+          </a:prstGeom>
+          <a:noFill/>
+          <a:ln w="25400">
+            <a:solidFill>
+              <a:srgbClr val="C00000"/>
+            </a:solidFill>
+          </a:ln>
+        </p:spPr>
+        <p:txBody>
+          <a:bodyPr wrap="none" rtlCol="0">
+            <a:spAutoFit/>
+          </a:bodyPr>
+          <a:lstStyle/>
+          <a:p>
+            <a:r>
+              <a:rPr lang="en-GB" dirty="0"/>
+              <a:t>11 Adverse Effects</a:t>
+            </a:r>
+          </a:p>
+        </p:txBody>
+      </p:sp>
     </p:spTree>
     <p:extLst>
       <p:ext uri="{BB962C8B-B14F-4D97-AF65-F5344CB8AC3E}">
@@ -25033,9 +25543,17 @@
           <a:bodyPr/>
           <a:lstStyle/>
           <a:p>
-            <a:r>
-              <a:rPr lang="en-GB" dirty="0"/>
-              <a:t>Principal Components (11, 21, 28 &amp; 42 Adverse Effects)</a:t>
+            <a:pPr algn="l"/>
+            <a:r>
+              <a:rPr lang="en-GB" sz="2000" dirty="0"/>
+              <a:t>   </a:t>
+            </a:r>
+            <a:br>
+              <a:rPr lang="en-GB" sz="2000" dirty="0"/>
+            </a:br>
+            <a:r>
+              <a:rPr lang="en-GB" sz="2000" dirty="0"/>
+              <a:t>   Principal Components Analysis</a:t>
             </a:r>
           </a:p>
         </p:txBody>
@@ -25299,7 +25817,7 @@
           <a:lstStyle/>
           <a:p>
             <a:r>
-              <a:rPr lang="en-GB" sz="2700" dirty="0"/>
+              <a:rPr lang="en-GB" sz="2200" dirty="0"/>
               <a:t>Discussion of the possible questions that would guide the analysis.</a:t>
             </a:r>
             <a:br>
@@ -25558,7 +26076,12 @@
             <p:ph type="title"/>
           </p:nvPr>
         </p:nvSpPr>
-        <p:spPr/>
+        <p:spPr>
+          <a:xfrm>
+            <a:off x="237599" y="144000"/>
+            <a:ext cx="8467785" cy="504000"/>
+          </a:xfrm>
+        </p:spPr>
         <p:txBody>
           <a:bodyPr>
             <a:normAutofit fontScale="90000"/>
@@ -25566,8 +26089,8 @@
           <a:lstStyle/>
           <a:p>
             <a:r>
-              <a:rPr lang="en-GB" dirty="0"/>
-              <a:t>How to Make the Analysis more Robust.</a:t>
+              <a:rPr lang="en-GB" sz="2200" dirty="0"/>
+              <a:t>Country Analysis based on Relative Frequencies of Adverse Effects</a:t>
             </a:r>
             <a:br>
               <a:rPr lang="en-GB" dirty="0"/>
@@ -25582,7 +26105,7 @@
     </p:spTree>
     <p:extLst>
       <p:ext uri="{BB962C8B-B14F-4D97-AF65-F5344CB8AC3E}">
-        <p14:creationId xmlns:p14="http://schemas.microsoft.com/office/powerpoint/2010/main" val="2923164167"/>
+        <p14:creationId xmlns:p14="http://schemas.microsoft.com/office/powerpoint/2010/main" val="2348561229"/>
       </p:ext>
     </p:extLst>
   </p:cSld>
@@ -25614,6 +26137,668 @@
           <p:cNvPr id="2" name="Title 1">
             <a:extLst>
               <a:ext uri="{FF2B5EF4-FFF2-40B4-BE49-F238E27FC236}">
+                <a16:creationId xmlns:a16="http://schemas.microsoft.com/office/drawing/2014/main" id="{C6DA0E8C-328C-B04D-8847-EBCADC21D107}"/>
+              </a:ext>
+            </a:extLst>
+          </p:cNvPr>
+          <p:cNvSpPr>
+            <a:spLocks noGrp="1"/>
+          </p:cNvSpPr>
+          <p:nvPr>
+            <p:ph type="title"/>
+          </p:nvPr>
+        </p:nvSpPr>
+        <p:spPr/>
+        <p:txBody>
+          <a:bodyPr/>
+          <a:lstStyle/>
+          <a:p>
+            <a:r>
+              <a:rPr lang="en-GB" dirty="0"/>
+              <a:t>Frequency Analysis</a:t>
+            </a:r>
+          </a:p>
+        </p:txBody>
+      </p:sp>
+      <p:sp>
+        <p:nvSpPr>
+          <p:cNvPr id="3" name="Text Placeholder 2">
+            <a:extLst>
+              <a:ext uri="{FF2B5EF4-FFF2-40B4-BE49-F238E27FC236}">
+                <a16:creationId xmlns:a16="http://schemas.microsoft.com/office/drawing/2014/main" id="{34852203-0857-A947-8A7C-C2870DA32548}"/>
+              </a:ext>
+            </a:extLst>
+          </p:cNvPr>
+          <p:cNvSpPr>
+            <a:spLocks noGrp="1"/>
+          </p:cNvSpPr>
+          <p:nvPr>
+            <p:ph type="body" sz="quarter" idx="11"/>
+          </p:nvPr>
+        </p:nvSpPr>
+        <p:spPr>
+          <a:xfrm>
+            <a:off x="237601" y="882014"/>
+            <a:ext cx="8348838" cy="3556171"/>
+          </a:xfrm>
+        </p:spPr>
+        <p:txBody>
+          <a:bodyPr/>
+          <a:lstStyle/>
+          <a:p>
+            <a:pPr marL="342900" indent="-342900">
+              <a:buFont typeface="Arial" panose="020B0604020202020204" pitchFamily="34" charset="0"/>
+              <a:buChar char="•"/>
+            </a:pPr>
+            <a:r>
+              <a:rPr lang="en-GB" sz="2000" dirty="0"/>
+              <a:t>Another way of removing the bias effect due to having very different numbers of reports per country is to construct two-by-two contingency tables for each adverse effect and each country.</a:t>
+            </a:r>
+          </a:p>
+          <a:p>
+            <a:pPr marL="342900" indent="-342900">
+              <a:buFont typeface="Arial" panose="020B0604020202020204" pitchFamily="34" charset="0"/>
+              <a:buChar char="•"/>
+            </a:pPr>
+            <a:r>
+              <a:rPr lang="en-GB" sz="2000" dirty="0"/>
+              <a:t>Then we need to choose a metric that should be compared to a chi-square distribution in order to test for significance.  That is when things become more complicated because we have several possible choices.</a:t>
+            </a:r>
+          </a:p>
+          <a:p>
+            <a:pPr marL="342900" indent="-342900">
+              <a:buFont typeface="Arial" panose="020B0604020202020204" pitchFamily="34" charset="0"/>
+              <a:buChar char="•"/>
+            </a:pPr>
+            <a:r>
+              <a:rPr lang="en-GB" sz="2000" dirty="0"/>
+              <a:t>Once agreed on one of them, then we can compute p-values to measure the strength of each association, and from there on, the analysis may proceed similarly than what we did for proportions: using hierarchical clustering and building heat maps, etc.</a:t>
+            </a:r>
+          </a:p>
+          <a:p>
+            <a:pPr marL="342900" indent="-342900">
+              <a:buFont typeface="Arial" panose="020B0604020202020204" pitchFamily="34" charset="0"/>
+              <a:buChar char="•"/>
+            </a:pPr>
+            <a:endParaRPr lang="en-GB" sz="2000" dirty="0"/>
+          </a:p>
+        </p:txBody>
+      </p:sp>
+      <p:sp>
+        <p:nvSpPr>
+          <p:cNvPr id="4" name="Slide Number Placeholder 3">
+            <a:extLst>
+              <a:ext uri="{FF2B5EF4-FFF2-40B4-BE49-F238E27FC236}">
+                <a16:creationId xmlns:a16="http://schemas.microsoft.com/office/drawing/2014/main" id="{BEF05892-2C71-8F4D-A885-F6427182CEA1}"/>
+              </a:ext>
+            </a:extLst>
+          </p:cNvPr>
+          <p:cNvSpPr>
+            <a:spLocks noGrp="1"/>
+          </p:cNvSpPr>
+          <p:nvPr>
+            <p:ph type="sldNum" sz="quarter" idx="4"/>
+          </p:nvPr>
+        </p:nvSpPr>
+        <p:spPr/>
+        <p:txBody>
+          <a:bodyPr/>
+          <a:lstStyle/>
+          <a:p>
+            <a:fld id="{3C4F54F3-C349-4609-AFEE-01462D5C7942}" type="slidenum">
+              <a:rPr lang="en-GB" smtClean="0"/>
+              <a:pPr/>
+              <a:t>33</a:t>
+            </a:fld>
+            <a:endParaRPr lang="en-GB" dirty="0"/>
+          </a:p>
+        </p:txBody>
+      </p:sp>
+    </p:spTree>
+    <p:extLst>
+      <p:ext uri="{BB962C8B-B14F-4D97-AF65-F5344CB8AC3E}">
+        <p14:creationId xmlns:p14="http://schemas.microsoft.com/office/powerpoint/2010/main" val="1885089320"/>
+      </p:ext>
+    </p:extLst>
+  </p:cSld>
+  <p:clrMapOvr>
+    <a:masterClrMapping/>
+  </p:clrMapOvr>
+</p:sld>
+</file>
+
+<file path=ppt/slides/slide34.xml><?xml version="1.0" encoding="utf-8"?>
+<p:sld xmlns:a="http://schemas.openxmlformats.org/drawingml/2006/main" xmlns:r="http://schemas.openxmlformats.org/officeDocument/2006/relationships" xmlns:p="http://schemas.openxmlformats.org/presentationml/2006/main">
+  <p:cSld>
+    <p:spTree>
+      <p:nvGrpSpPr>
+        <p:cNvPr id="1" name=""/>
+        <p:cNvGrpSpPr/>
+        <p:nvPr/>
+      </p:nvGrpSpPr>
+      <p:grpSpPr>
+        <a:xfrm>
+          <a:off x="0" y="0"/>
+          <a:ext cx="0" cy="0"/>
+          <a:chOff x="0" y="0"/>
+          <a:chExt cx="0" cy="0"/>
+        </a:xfrm>
+      </p:grpSpPr>
+      <p:sp>
+        <p:nvSpPr>
+          <p:cNvPr id="2" name="Title 1">
+            <a:extLst>
+              <a:ext uri="{FF2B5EF4-FFF2-40B4-BE49-F238E27FC236}">
+                <a16:creationId xmlns:a16="http://schemas.microsoft.com/office/drawing/2014/main" id="{4092663F-50E8-0F47-BBFD-1D5733EBB2FA}"/>
+              </a:ext>
+            </a:extLst>
+          </p:cNvPr>
+          <p:cNvSpPr>
+            <a:spLocks noGrp="1"/>
+          </p:cNvSpPr>
+          <p:nvPr>
+            <p:ph type="title"/>
+          </p:nvPr>
+        </p:nvSpPr>
+        <p:spPr/>
+        <p:txBody>
+          <a:bodyPr/>
+          <a:lstStyle/>
+          <a:p>
+            <a:r>
+              <a:rPr lang="en-GB" dirty="0"/>
+              <a:t>Popular Metrics in the Literature</a:t>
+            </a:r>
+          </a:p>
+        </p:txBody>
+      </p:sp>
+      <p:sp>
+        <p:nvSpPr>
+          <p:cNvPr id="3" name="Text Placeholder 2">
+            <a:extLst>
+              <a:ext uri="{FF2B5EF4-FFF2-40B4-BE49-F238E27FC236}">
+                <a16:creationId xmlns:a16="http://schemas.microsoft.com/office/drawing/2014/main" id="{E93548A1-7ABE-1848-B405-F1871D91F6D3}"/>
+              </a:ext>
+            </a:extLst>
+          </p:cNvPr>
+          <p:cNvSpPr>
+            <a:spLocks noGrp="1"/>
+          </p:cNvSpPr>
+          <p:nvPr>
+            <p:ph type="body" sz="quarter" idx="11"/>
+          </p:nvPr>
+        </p:nvSpPr>
+        <p:spPr>
+          <a:xfrm>
+            <a:off x="472386" y="2769993"/>
+            <a:ext cx="8173526" cy="1913519"/>
+          </a:xfrm>
+        </p:spPr>
+        <p:txBody>
+          <a:bodyPr/>
+          <a:lstStyle/>
+          <a:p>
+            <a:r>
+              <a:rPr lang="en-GB" sz="2000" dirty="0"/>
+              <a:t>Proportional Reporting Ratios (PRR): n11*(n01 + n00)/n01/(n11 + n10)</a:t>
+            </a:r>
+          </a:p>
+          <a:p>
+            <a:r>
+              <a:rPr lang="en-GB" sz="2000" dirty="0"/>
+              <a:t>Reporting Odd Ratios (ROR): n11*n00/n10/n01</a:t>
+            </a:r>
+          </a:p>
+          <a:p>
+            <a:endParaRPr lang="en-GB" sz="2000" dirty="0"/>
+          </a:p>
+          <a:p>
+            <a:r>
+              <a:rPr lang="en-GB" sz="2000" dirty="0"/>
+              <a:t>They are also other possibilities. Some of these approaches are based on classical statistics while some are Bayesian.  They have not been pursued as part of this exercise.</a:t>
+            </a:r>
+          </a:p>
+        </p:txBody>
+      </p:sp>
+      <p:sp>
+        <p:nvSpPr>
+          <p:cNvPr id="4" name="Slide Number Placeholder 3">
+            <a:extLst>
+              <a:ext uri="{FF2B5EF4-FFF2-40B4-BE49-F238E27FC236}">
+                <a16:creationId xmlns:a16="http://schemas.microsoft.com/office/drawing/2014/main" id="{9C323F48-5235-4147-9C17-B3721FE98215}"/>
+              </a:ext>
+            </a:extLst>
+          </p:cNvPr>
+          <p:cNvSpPr>
+            <a:spLocks noGrp="1"/>
+          </p:cNvSpPr>
+          <p:nvPr>
+            <p:ph type="sldNum" sz="quarter" idx="4"/>
+          </p:nvPr>
+        </p:nvSpPr>
+        <p:spPr/>
+        <p:txBody>
+          <a:bodyPr/>
+          <a:lstStyle/>
+          <a:p>
+            <a:fld id="{3C4F54F3-C349-4609-AFEE-01462D5C7942}" type="slidenum">
+              <a:rPr lang="en-GB" smtClean="0"/>
+              <a:pPr/>
+              <a:t>34</a:t>
+            </a:fld>
+            <a:endParaRPr lang="en-GB" dirty="0"/>
+          </a:p>
+        </p:txBody>
+      </p:sp>
+      <p:graphicFrame>
+        <p:nvGraphicFramePr>
+          <p:cNvPr id="5" name="Table 4">
+            <a:extLst>
+              <a:ext uri="{FF2B5EF4-FFF2-40B4-BE49-F238E27FC236}">
+                <a16:creationId xmlns:a16="http://schemas.microsoft.com/office/drawing/2014/main" id="{FC0E6C37-4918-3846-9C34-5AD4127D9ACF}"/>
+              </a:ext>
+            </a:extLst>
+          </p:cNvPr>
+          <p:cNvGraphicFramePr>
+            <a:graphicFrameLocks noGrp="1"/>
+          </p:cNvGraphicFramePr>
+          <p:nvPr>
+            <p:extLst>
+              <p:ext uri="{D42A27DB-BD31-4B8C-83A1-F6EECF244321}">
+                <p14:modId xmlns:p14="http://schemas.microsoft.com/office/powerpoint/2010/main" val="90332857"/>
+              </p:ext>
+            </p:extLst>
+          </p:nvPr>
+        </p:nvGraphicFramePr>
+        <p:xfrm>
+          <a:off x="472386" y="785076"/>
+          <a:ext cx="7816688" cy="1752600"/>
+        </p:xfrm>
+        <a:graphic>
+          <a:graphicData uri="http://schemas.openxmlformats.org/drawingml/2006/table">
+            <a:tbl>
+              <a:tblPr firstRow="1" bandRow="1">
+                <a:tableStyleId>{5C22544A-7EE6-4342-B048-85BDC9FD1C3A}</a:tableStyleId>
+              </a:tblPr>
+              <a:tblGrid>
+                <a:gridCol w="1954172">
+                  <a:extLst>
+                    <a:ext uri="{9D8B030D-6E8A-4147-A177-3AD203B41FA5}">
+                      <a16:colId xmlns:a16="http://schemas.microsoft.com/office/drawing/2014/main" val="4108393739"/>
+                    </a:ext>
+                  </a:extLst>
+                </a:gridCol>
+                <a:gridCol w="1576539">
+                  <a:extLst>
+                    <a:ext uri="{9D8B030D-6E8A-4147-A177-3AD203B41FA5}">
+                      <a16:colId xmlns:a16="http://schemas.microsoft.com/office/drawing/2014/main" val="2104041340"/>
+                    </a:ext>
+                  </a:extLst>
+                </a:gridCol>
+                <a:gridCol w="1828524">
+                  <a:extLst>
+                    <a:ext uri="{9D8B030D-6E8A-4147-A177-3AD203B41FA5}">
+                      <a16:colId xmlns:a16="http://schemas.microsoft.com/office/drawing/2014/main" val="586368194"/>
+                    </a:ext>
+                  </a:extLst>
+                </a:gridCol>
+                <a:gridCol w="2457453">
+                  <a:extLst>
+                    <a:ext uri="{9D8B030D-6E8A-4147-A177-3AD203B41FA5}">
+                      <a16:colId xmlns:a16="http://schemas.microsoft.com/office/drawing/2014/main" val="1812204351"/>
+                    </a:ext>
+                  </a:extLst>
+                </a:gridCol>
+              </a:tblGrid>
+              <a:tr h="370840">
+                <a:tc>
+                  <a:txBody>
+                    <a:bodyPr/>
+                    <a:lstStyle/>
+                    <a:p>
+                      <a:r>
+                        <a:rPr lang="en-GB" dirty="0"/>
+                        <a:t>Adverse Effects</a:t>
+                      </a:r>
+                    </a:p>
+                    <a:p>
+                      <a:pPr algn="ctr"/>
+                      <a:r>
+                        <a:rPr lang="en-GB" dirty="0"/>
+                        <a:t>(AEs)</a:t>
+                      </a:r>
+                    </a:p>
+                  </a:txBody>
+                  <a:tcPr/>
+                </a:tc>
+                <a:tc>
+                  <a:txBody>
+                    <a:bodyPr/>
+                    <a:lstStyle/>
+                    <a:p>
+                      <a:r>
+                        <a:rPr lang="en-GB" dirty="0"/>
+                        <a:t>Country of Interest</a:t>
+                      </a:r>
+                    </a:p>
+                  </a:txBody>
+                  <a:tcPr/>
+                </a:tc>
+                <a:tc>
+                  <a:txBody>
+                    <a:bodyPr/>
+                    <a:lstStyle/>
+                    <a:p>
+                      <a:r>
+                        <a:rPr lang="en-GB" dirty="0"/>
+                        <a:t>All Other Countries</a:t>
+                      </a:r>
+                    </a:p>
+                  </a:txBody>
+                  <a:tcPr/>
+                </a:tc>
+                <a:tc>
+                  <a:txBody>
+                    <a:bodyPr/>
+                    <a:lstStyle/>
+                    <a:p>
+                      <a:r>
+                        <a:rPr lang="en-GB" dirty="0"/>
+                        <a:t>Total</a:t>
+                      </a:r>
+                    </a:p>
+                  </a:txBody>
+                  <a:tcPr/>
+                </a:tc>
+                <a:extLst>
+                  <a:ext uri="{0D108BD9-81ED-4DB2-BD59-A6C34878D82A}">
+                    <a16:rowId xmlns:a16="http://schemas.microsoft.com/office/drawing/2014/main" val="160510557"/>
+                  </a:ext>
+                </a:extLst>
+              </a:tr>
+              <a:tr h="370840">
+                <a:tc>
+                  <a:txBody>
+                    <a:bodyPr/>
+                    <a:lstStyle/>
+                    <a:p>
+                      <a:r>
+                        <a:rPr lang="en-GB" dirty="0"/>
+                        <a:t>AE of Interest</a:t>
+                      </a:r>
+                    </a:p>
+                  </a:txBody>
+                  <a:tcPr/>
+                </a:tc>
+                <a:tc>
+                  <a:txBody>
+                    <a:bodyPr/>
+                    <a:lstStyle/>
+                    <a:p>
+                      <a:r>
+                        <a:rPr lang="en-GB" dirty="0"/>
+                        <a:t>n11</a:t>
+                      </a:r>
+                    </a:p>
+                  </a:txBody>
+                  <a:tcPr/>
+                </a:tc>
+                <a:tc>
+                  <a:txBody>
+                    <a:bodyPr/>
+                    <a:lstStyle/>
+                    <a:p>
+                      <a:r>
+                        <a:rPr lang="en-GB" dirty="0"/>
+                        <a:t>n10</a:t>
+                      </a:r>
+                    </a:p>
+                  </a:txBody>
+                  <a:tcPr/>
+                </a:tc>
+                <a:tc>
+                  <a:txBody>
+                    <a:bodyPr/>
+                    <a:lstStyle/>
+                    <a:p>
+                      <a:r>
+                        <a:rPr lang="en-GB" dirty="0"/>
+                        <a:t>n11 + n10</a:t>
+                      </a:r>
+                    </a:p>
+                  </a:txBody>
+                  <a:tcPr/>
+                </a:tc>
+                <a:extLst>
+                  <a:ext uri="{0D108BD9-81ED-4DB2-BD59-A6C34878D82A}">
+                    <a16:rowId xmlns:a16="http://schemas.microsoft.com/office/drawing/2014/main" val="3899639737"/>
+                  </a:ext>
+                </a:extLst>
+              </a:tr>
+              <a:tr h="370840">
+                <a:tc>
+                  <a:txBody>
+                    <a:bodyPr/>
+                    <a:lstStyle/>
+                    <a:p>
+                      <a:r>
+                        <a:rPr lang="en-GB" dirty="0"/>
+                        <a:t>All other AEs</a:t>
+                      </a:r>
+                    </a:p>
+                  </a:txBody>
+                  <a:tcPr/>
+                </a:tc>
+                <a:tc>
+                  <a:txBody>
+                    <a:bodyPr/>
+                    <a:lstStyle/>
+                    <a:p>
+                      <a:r>
+                        <a:rPr lang="en-GB" dirty="0"/>
+                        <a:t>n01</a:t>
+                      </a:r>
+                    </a:p>
+                  </a:txBody>
+                  <a:tcPr/>
+                </a:tc>
+                <a:tc>
+                  <a:txBody>
+                    <a:bodyPr/>
+                    <a:lstStyle/>
+                    <a:p>
+                      <a:r>
+                        <a:rPr lang="en-GB" dirty="0"/>
+                        <a:t>n00</a:t>
+                      </a:r>
+                    </a:p>
+                  </a:txBody>
+                  <a:tcPr/>
+                </a:tc>
+                <a:tc>
+                  <a:txBody>
+                    <a:bodyPr/>
+                    <a:lstStyle/>
+                    <a:p>
+                      <a:r>
+                        <a:rPr lang="en-GB" dirty="0"/>
+                        <a:t>n01 + n00</a:t>
+                      </a:r>
+                    </a:p>
+                  </a:txBody>
+                  <a:tcPr/>
+                </a:tc>
+                <a:extLst>
+                  <a:ext uri="{0D108BD9-81ED-4DB2-BD59-A6C34878D82A}">
+                    <a16:rowId xmlns:a16="http://schemas.microsoft.com/office/drawing/2014/main" val="2969007047"/>
+                  </a:ext>
+                </a:extLst>
+              </a:tr>
+              <a:tr h="370840">
+                <a:tc>
+                  <a:txBody>
+                    <a:bodyPr/>
+                    <a:lstStyle/>
+                    <a:p>
+                      <a:r>
+                        <a:rPr lang="en-GB" dirty="0"/>
+                        <a:t>Total</a:t>
+                      </a:r>
+                    </a:p>
+                  </a:txBody>
+                  <a:tcPr/>
+                </a:tc>
+                <a:tc>
+                  <a:txBody>
+                    <a:bodyPr/>
+                    <a:lstStyle/>
+                    <a:p>
+                      <a:r>
+                        <a:rPr lang="en-GB" dirty="0"/>
+                        <a:t>n11 + n01</a:t>
+                      </a:r>
+                    </a:p>
+                  </a:txBody>
+                  <a:tcPr/>
+                </a:tc>
+                <a:tc>
+                  <a:txBody>
+                    <a:bodyPr/>
+                    <a:lstStyle/>
+                    <a:p>
+                      <a:r>
+                        <a:rPr lang="en-GB" dirty="0"/>
+                        <a:t>n10 + n00</a:t>
+                      </a:r>
+                    </a:p>
+                  </a:txBody>
+                  <a:tcPr/>
+                </a:tc>
+                <a:tc>
+                  <a:txBody>
+                    <a:bodyPr/>
+                    <a:lstStyle/>
+                    <a:p>
+                      <a:r>
+                        <a:rPr lang="en-GB" dirty="0"/>
+                        <a:t>n00+n10+n01+n11</a:t>
+                      </a:r>
+                    </a:p>
+                  </a:txBody>
+                  <a:tcPr/>
+                </a:tc>
+                <a:extLst>
+                  <a:ext uri="{0D108BD9-81ED-4DB2-BD59-A6C34878D82A}">
+                    <a16:rowId xmlns:a16="http://schemas.microsoft.com/office/drawing/2014/main" val="2771764361"/>
+                  </a:ext>
+                </a:extLst>
+              </a:tr>
+            </a:tbl>
+          </a:graphicData>
+        </a:graphic>
+      </p:graphicFrame>
+    </p:spTree>
+    <p:extLst>
+      <p:ext uri="{BB962C8B-B14F-4D97-AF65-F5344CB8AC3E}">
+        <p14:creationId xmlns:p14="http://schemas.microsoft.com/office/powerpoint/2010/main" val="1401965473"/>
+      </p:ext>
+    </p:extLst>
+  </p:cSld>
+  <p:clrMapOvr>
+    <a:masterClrMapping/>
+  </p:clrMapOvr>
+</p:sld>
+</file>
+
+<file path=ppt/slides/slide35.xml><?xml version="1.0" encoding="utf-8"?>
+<p:sld xmlns:a="http://schemas.openxmlformats.org/drawingml/2006/main" xmlns:r="http://schemas.openxmlformats.org/officeDocument/2006/relationships" xmlns:p="http://schemas.openxmlformats.org/presentationml/2006/main">
+  <p:cSld>
+    <p:spTree>
+      <p:nvGrpSpPr>
+        <p:cNvPr id="1" name=""/>
+        <p:cNvGrpSpPr/>
+        <p:nvPr/>
+      </p:nvGrpSpPr>
+      <p:grpSpPr>
+        <a:xfrm>
+          <a:off x="0" y="0"/>
+          <a:ext cx="0" cy="0"/>
+          <a:chOff x="0" y="0"/>
+          <a:chExt cx="0" cy="0"/>
+        </a:xfrm>
+      </p:grpSpPr>
+      <p:sp>
+        <p:nvSpPr>
+          <p:cNvPr id="2" name="Title 1">
+            <a:extLst>
+              <a:ext uri="{FF2B5EF4-FFF2-40B4-BE49-F238E27FC236}">
+                <a16:creationId xmlns:a16="http://schemas.microsoft.com/office/drawing/2014/main" id="{BFF8F12E-72C9-4EFC-B4C7-8D2AD03DBFC8}"/>
+              </a:ext>
+            </a:extLst>
+          </p:cNvPr>
+          <p:cNvSpPr>
+            <a:spLocks noGrp="1"/>
+          </p:cNvSpPr>
+          <p:nvPr>
+            <p:ph type="title"/>
+          </p:nvPr>
+        </p:nvSpPr>
+        <p:spPr/>
+        <p:txBody>
+          <a:bodyPr>
+            <a:normAutofit fontScale="90000"/>
+          </a:bodyPr>
+          <a:lstStyle/>
+          <a:p>
+            <a:r>
+              <a:rPr lang="en-GB" sz="2200" dirty="0"/>
+              <a:t>How to make the Analysis more Robust</a:t>
+            </a:r>
+            <a:br>
+              <a:rPr lang="en-GB" dirty="0"/>
+            </a:br>
+            <a:br>
+              <a:rPr lang="en-GB" dirty="0"/>
+            </a:br>
+            <a:endParaRPr lang="en-GB" dirty="0"/>
+          </a:p>
+        </p:txBody>
+      </p:sp>
+    </p:spTree>
+    <p:extLst>
+      <p:ext uri="{BB962C8B-B14F-4D97-AF65-F5344CB8AC3E}">
+        <p14:creationId xmlns:p14="http://schemas.microsoft.com/office/powerpoint/2010/main" val="2923164167"/>
+      </p:ext>
+    </p:extLst>
+  </p:cSld>
+  <p:clrMapOvr>
+    <a:masterClrMapping/>
+  </p:clrMapOvr>
+</p:sld>
+</file>
+
+<file path=ppt/slides/slide36.xml><?xml version="1.0" encoding="utf-8"?>
+<p:sld xmlns:a="http://schemas.openxmlformats.org/drawingml/2006/main" xmlns:r="http://schemas.openxmlformats.org/officeDocument/2006/relationships" xmlns:p="http://schemas.openxmlformats.org/presentationml/2006/main">
+  <p:cSld>
+    <p:spTree>
+      <p:nvGrpSpPr>
+        <p:cNvPr id="1" name=""/>
+        <p:cNvGrpSpPr/>
+        <p:nvPr/>
+      </p:nvGrpSpPr>
+      <p:grpSpPr>
+        <a:xfrm>
+          <a:off x="0" y="0"/>
+          <a:ext cx="0" cy="0"/>
+          <a:chOff x="0" y="0"/>
+          <a:chExt cx="0" cy="0"/>
+        </a:xfrm>
+      </p:grpSpPr>
+      <p:sp>
+        <p:nvSpPr>
+          <p:cNvPr id="2" name="Title 1">
+            <a:extLst>
+              <a:ext uri="{FF2B5EF4-FFF2-40B4-BE49-F238E27FC236}">
                 <a16:creationId xmlns:a16="http://schemas.microsoft.com/office/drawing/2014/main" id="{6AF5A0E8-AFA9-408E-8A06-0E8B189DD336}"/>
               </a:ext>
             </a:extLst>
@@ -25670,8 +26855,8 @@
               <a:buChar char="•"/>
             </a:pPr>
             <a:r>
-              <a:rPr lang="en-GB" dirty="0"/>
-              <a:t>The simplest way is to include all the data in the analysis, not done now for time constraints.</a:t>
+              <a:rPr lang="en-GB" sz="2000" dirty="0"/>
+              <a:t>The simplest way is to include all the data in the analysis, which was not done on this occasion due to time constraints.</a:t>
             </a:r>
           </a:p>
           <a:p>
@@ -25680,7 +26865,7 @@
               <a:buChar char="•"/>
             </a:pPr>
             <a:r>
-              <a:rPr lang="en-GB" dirty="0"/>
+              <a:rPr lang="en-GB" sz="2000" dirty="0"/>
               <a:t>Explore various ways of grouping adverse effects: perhaps by organ, type (cardiovascular, psychological, etc.).</a:t>
             </a:r>
           </a:p>
@@ -25690,7 +26875,7 @@
               <a:buChar char="•"/>
             </a:pPr>
             <a:r>
-              <a:rPr lang="en-GB" dirty="0"/>
+              <a:rPr lang="en-GB" sz="2000" dirty="0"/>
               <a:t>In particular, consider separating procedural issues (“wrong dose administered”) from actual effects.</a:t>
             </a:r>
           </a:p>
@@ -25700,7 +26885,7 @@
               <a:buChar char="•"/>
             </a:pPr>
             <a:r>
-              <a:rPr lang="en-GB" dirty="0"/>
+              <a:rPr lang="en-GB" sz="2000" dirty="0"/>
               <a:t>Add information about severity / outcome.</a:t>
             </a:r>
           </a:p>
@@ -25710,8 +26895,18 @@
               <a:buChar char="•"/>
             </a:pPr>
             <a:r>
-              <a:rPr lang="en-GB" dirty="0"/>
+              <a:rPr lang="en-GB" sz="2000" dirty="0"/>
               <a:t>Create a country reporting index.  How many reports per capita come from one country?  This may be an additional feature that may help correct biased reporting.</a:t>
+            </a:r>
+          </a:p>
+          <a:p>
+            <a:pPr marL="342900" indent="-342900">
+              <a:buFont typeface="Arial" panose="020B0604020202020204" pitchFamily="34" charset="0"/>
+              <a:buChar char="•"/>
+            </a:pPr>
+            <a:r>
+              <a:rPr lang="en-GB" sz="2000" dirty="0"/>
+              <a:t>Pursue the contingency tables approach, which can be made more rigorous if the right metric is chosen.</a:t>
             </a:r>
           </a:p>
         </p:txBody>
@@ -25740,7 +26935,7 @@
             <a:fld id="{3C4F54F3-C349-4609-AFEE-01462D5C7942}" type="slidenum">
               <a:rPr lang="en-GB" smtClean="0"/>
               <a:pPr/>
-              <a:t>33</a:t>
+              <a:t>36</a:t>
             </a:fld>
             <a:endParaRPr lang="en-GB" dirty="0"/>
           </a:p>
@@ -25830,7 +27025,7 @@
         <p:spPr>
           <a:xfrm>
             <a:off x="318375" y="758836"/>
-            <a:ext cx="8124157" cy="3462906"/>
+            <a:ext cx="8409313" cy="3798296"/>
           </a:xfrm>
         </p:spPr>
         <p:txBody>
@@ -25849,7 +27044,7 @@
             </a:pPr>
             <a:r>
               <a:rPr lang="en-GB" sz="2000" dirty="0"/>
-              <a:t>Analysing differences in patterns of adverse event occurrences in different countries.</a:t>
+              <a:t>Analysing the relative proportions of the most common adverse events occurring across countries.</a:t>
             </a:r>
           </a:p>
           <a:p>
@@ -25859,7 +27054,7 @@
             </a:pPr>
             <a:r>
               <a:rPr lang="en-GB" sz="2000" dirty="0"/>
-              <a:t>Analysing the relative proportions of adverse events occurring in different countries.</a:t>
+              <a:t>Doing something similar to a bio-informatics enrichment analysis, by constructing two-by-two contingency tables for each adverse effect and each country and deciding on which metric we should compared to a  chi-square distribution in order to test for significance.</a:t>
             </a:r>
           </a:p>
           <a:p>
@@ -25868,7 +27063,7 @@
           <a:p>
             <a:r>
               <a:rPr lang="en-GB" sz="2000" dirty="0"/>
-              <a:t>Should we include additional factors like sex, age, or severity in the analysis?</a:t>
+              <a:t>Should we include additional factors like patient sex or age and effect severity in the analysis?  I think we need to have a good representation of the population and the effect, so these factors should be included at least during the exploratory data analysis phase.</a:t>
             </a:r>
           </a:p>
         </p:txBody>
@@ -25984,7 +27179,12 @@
             <p:ph type="body" sz="quarter" idx="11"/>
           </p:nvPr>
         </p:nvSpPr>
-        <p:spPr/>
+        <p:spPr>
+          <a:xfrm>
+            <a:off x="237061" y="1164512"/>
+            <a:ext cx="7851290" cy="3172141"/>
+          </a:xfrm>
+        </p:spPr>
         <p:txBody>
           <a:bodyPr/>
           <a:lstStyle/>
@@ -25994,8 +27194,8 @@
               <a:buChar char="•"/>
             </a:pPr>
             <a:r>
-              <a:rPr lang="en-GB" dirty="0"/>
-              <a:t>Like in the previous question, both patterns of adverse event occurrences and relative proportions could be used.  This time the co-occurrences may be more likely to be informative.</a:t>
+              <a:rPr lang="en-GB" sz="2000" dirty="0"/>
+              <a:t>Here I would prefer to use the contingency tables approach.</a:t>
             </a:r>
           </a:p>
           <a:p>
@@ -26004,8 +27204,8 @@
               <a:buChar char="•"/>
             </a:pPr>
             <a:r>
-              <a:rPr lang="en-GB" dirty="0"/>
-              <a:t>We could perhaps explore whether the adverse effects are due to primary or secondary pharmacology?</a:t>
+              <a:rPr lang="en-GB" sz="2000" dirty="0"/>
+              <a:t>We could perhaps also explore whether the adverse effects are due to primary or secondary pharmacology? This may be tricky due to the limited Mode-of-Action information present in the reports.</a:t>
             </a:r>
           </a:p>
         </p:txBody>
@@ -26100,48 +27300,6 @@
       </p:sp>
       <p:sp>
         <p:nvSpPr>
-          <p:cNvPr id="3" name="Text Placeholder 2">
-            <a:extLst>
-              <a:ext uri="{FF2B5EF4-FFF2-40B4-BE49-F238E27FC236}">
-                <a16:creationId xmlns:a16="http://schemas.microsoft.com/office/drawing/2014/main" id="{0638FAA7-67F1-4DC4-B404-46D65A170A29}"/>
-              </a:ext>
-            </a:extLst>
-          </p:cNvPr>
-          <p:cNvSpPr>
-            <a:spLocks noGrp="1"/>
-          </p:cNvSpPr>
-          <p:nvPr>
-            <p:ph type="body" sz="quarter" idx="11"/>
-          </p:nvPr>
-        </p:nvSpPr>
-        <p:spPr/>
-        <p:txBody>
-          <a:bodyPr/>
-          <a:lstStyle/>
-          <a:p>
-            <a:pPr marL="342900" indent="-342900">
-              <a:buFont typeface="Arial" panose="020B0604020202020204" pitchFamily="34" charset="0"/>
-              <a:buChar char="•"/>
-            </a:pPr>
-            <a:r>
-              <a:rPr lang="en-GB" dirty="0"/>
-              <a:t>This question could perhaps be explored using a network analysis approach similar to what I have been developing together with my collaborators at Imperial College.</a:t>
-            </a:r>
-          </a:p>
-          <a:p>
-            <a:pPr marL="342900" indent="-342900">
-              <a:buFont typeface="Arial" panose="020B0604020202020204" pitchFamily="34" charset="0"/>
-              <a:buChar char="•"/>
-            </a:pPr>
-            <a:r>
-              <a:rPr lang="en-GB" dirty="0"/>
-              <a:t>It is based in building a network from a correlations/co-occurrence matrix and identifying clusters through the network at difference levels of granularity.</a:t>
-            </a:r>
-          </a:p>
-        </p:txBody>
-      </p:sp>
-      <p:sp>
-        <p:nvSpPr>
           <p:cNvPr id="4" name="Slide Number Placeholder 3">
             <a:extLst>
               <a:ext uri="{FF2B5EF4-FFF2-40B4-BE49-F238E27FC236}">
@@ -26170,6 +27328,85 @@
           </a:p>
         </p:txBody>
       </p:sp>
+      <p:sp>
+        <p:nvSpPr>
+          <p:cNvPr id="7" name="Text Placeholder 2">
+            <a:extLst>
+              <a:ext uri="{FF2B5EF4-FFF2-40B4-BE49-F238E27FC236}">
+                <a16:creationId xmlns:a16="http://schemas.microsoft.com/office/drawing/2014/main" id="{B67A97DC-C24E-1A48-A3A5-99CF319A3457}"/>
+              </a:ext>
+            </a:extLst>
+          </p:cNvPr>
+          <p:cNvSpPr>
+            <a:spLocks noGrp="1"/>
+          </p:cNvSpPr>
+          <p:nvPr>
+            <p:ph type="body" sz="quarter" idx="11"/>
+          </p:nvPr>
+        </p:nvSpPr>
+        <p:spPr>
+          <a:xfrm>
+            <a:off x="237602" y="916310"/>
+            <a:ext cx="4201186" cy="3670558"/>
+          </a:xfrm>
+        </p:spPr>
+        <p:txBody>
+          <a:bodyPr>
+            <a:normAutofit/>
+          </a:bodyPr>
+          <a:lstStyle/>
+          <a:p>
+            <a:pPr marL="342900" indent="-342900">
+              <a:buFont typeface="Arial" panose="020B0604020202020204" pitchFamily="34" charset="0"/>
+              <a:buChar char="•"/>
+            </a:pPr>
+            <a:r>
+              <a:rPr lang="en-GB" sz="1800" dirty="0"/>
+              <a:t>This question could perhaps be explored using a network analysis approach similar to what I have been using with my collaborators at Imperial College.</a:t>
+            </a:r>
+          </a:p>
+          <a:p>
+            <a:pPr marL="342900" indent="-342900">
+              <a:buFont typeface="Arial" panose="020B0604020202020204" pitchFamily="34" charset="0"/>
+              <a:buChar char="•"/>
+            </a:pPr>
+            <a:r>
+              <a:rPr lang="en-GB" sz="1800" dirty="0"/>
+              <a:t>It is based in building a network from a correlations/co-occurrence matrix and identifying clusters in the network at difference levels of granularity.</a:t>
+            </a:r>
+          </a:p>
+        </p:txBody>
+      </p:sp>
+      <p:pic>
+        <p:nvPicPr>
+          <p:cNvPr id="8" name="Picture 7">
+            <a:extLst>
+              <a:ext uri="{FF2B5EF4-FFF2-40B4-BE49-F238E27FC236}">
+                <a16:creationId xmlns:a16="http://schemas.microsoft.com/office/drawing/2014/main" id="{4023666B-AE6B-C84F-9F3E-4990A502E476}"/>
+              </a:ext>
+            </a:extLst>
+          </p:cNvPr>
+          <p:cNvPicPr>
+            <a:picLocks noChangeAspect="1"/>
+          </p:cNvPicPr>
+          <p:nvPr/>
+        </p:nvPicPr>
+        <p:blipFill>
+          <a:blip r:embed="rId2"/>
+          <a:stretch>
+            <a:fillRect/>
+          </a:stretch>
+        </p:blipFill>
+        <p:spPr>
+          <a:xfrm>
+            <a:off x="4438787" y="916310"/>
+            <a:ext cx="4517808" cy="3393634"/>
+          </a:xfrm>
+          <a:prstGeom prst="rect">
+            <a:avLst/>
+          </a:prstGeom>
+        </p:spPr>
+      </p:pic>
     </p:spTree>
     <p:extLst>
       <p:ext uri="{BB962C8B-B14F-4D97-AF65-F5344CB8AC3E}">
@@ -26252,7 +27489,7 @@
         </p:spPr>
         <p:txBody>
           <a:bodyPr>
-            <a:normAutofit fontScale="92500" lnSpcReduction="10000"/>
+            <a:normAutofit/>
           </a:bodyPr>
           <a:lstStyle/>
           <a:p>
@@ -26261,7 +27498,7 @@
               <a:buChar char="•"/>
             </a:pPr>
             <a:r>
-              <a:rPr lang="en-GB" dirty="0"/>
+              <a:rPr lang="en-GB" sz="2000" dirty="0"/>
               <a:t>What adverse effects co-occurred?</a:t>
             </a:r>
           </a:p>
@@ -26271,7 +27508,7 @@
               <a:buChar char="•"/>
             </a:pPr>
             <a:r>
-              <a:rPr lang="en-GB" dirty="0"/>
+              <a:rPr lang="en-GB" sz="2000" dirty="0"/>
               <a:t>Identifying similar adverse effects and grouping them into “types” could make the previous analysis more robust.</a:t>
             </a:r>
           </a:p>
@@ -26281,8 +27518,8 @@
               <a:buChar char="•"/>
             </a:pPr>
             <a:r>
-              <a:rPr lang="en-GB" dirty="0"/>
-              <a:t>What is two very different adverse effects co-occurred for a certain disease area or drug?  This could be a hint about secondary pharmacology</a:t>
+              <a:rPr lang="en-GB" sz="2000" dirty="0"/>
+              <a:t>What if two very different adverse effects co-occurred for a certain disease area or drug?  This could point to a secondary pharmacology issue.</a:t>
             </a:r>
           </a:p>
           <a:p>
@@ -26291,7 +27528,7 @@
               <a:buChar char="•"/>
             </a:pPr>
             <a:r>
-              <a:rPr lang="en-GB" dirty="0"/>
+              <a:rPr lang="en-GB" sz="2000" dirty="0"/>
               <a:t>Changes on adverse effects reported over time?</a:t>
             </a:r>
           </a:p>
@@ -26301,7 +27538,7 @@
               <a:buChar char="•"/>
             </a:pPr>
             <a:r>
-              <a:rPr lang="en-GB" dirty="0"/>
+              <a:rPr lang="en-GB" sz="2000" dirty="0"/>
               <a:t>The FDA mentions ad hoc influences like media reports, etc.</a:t>
             </a:r>
           </a:p>
@@ -26311,8 +27548,8 @@
               <a:buChar char="•"/>
             </a:pPr>
             <a:r>
-              <a:rPr lang="en-GB" dirty="0"/>
-              <a:t>This ad hoc influences, if they happen for a particular country or disease area, could bias the answers to the previous questions.  </a:t>
+              <a:rPr lang="en-GB" sz="2000" dirty="0"/>
+              <a:t>These ad hoc influences, if they happen for a particular country or disease area, could bias the answers to the previous questions.  </a:t>
             </a:r>
           </a:p>
         </p:txBody>
@@ -26401,7 +27638,7 @@
           <a:lstStyle/>
           <a:p>
             <a:r>
-              <a:rPr lang="en-GB" dirty="0"/>
+              <a:rPr lang="en-GB" sz="2200" dirty="0"/>
               <a:t>Limitations of the Data &amp; Exploratory Data Analysis</a:t>
             </a:r>
             <a:br>
@@ -26500,32 +27737,32 @@
               <a:buChar char="•"/>
             </a:pPr>
             <a:r>
-              <a:rPr lang="en-GB" dirty="0"/>
+              <a:rPr lang="en-GB" sz="2000" dirty="0"/>
               <a:t>I downloaded approximately 20 </a:t>
             </a:r>
             <a:r>
-              <a:rPr lang="en-GB" dirty="0" err="1"/>
+              <a:rPr lang="en-GB" sz="2000" dirty="0" err="1"/>
               <a:t>GiB</a:t>
             </a:r>
             <a:r>
-              <a:rPr lang="en-GB" dirty="0"/>
+              <a:rPr lang="en-GB" sz="2000" dirty="0"/>
               <a:t> of data from the </a:t>
             </a:r>
             <a:r>
-              <a:rPr lang="en-GB" dirty="0" err="1"/>
+              <a:rPr lang="en-GB" sz="2000" dirty="0" err="1"/>
               <a:t>OpenFDA</a:t>
             </a:r>
             <a:r>
-              <a:rPr lang="en-GB" dirty="0"/>
+              <a:rPr lang="en-GB" sz="2000" dirty="0"/>
               <a:t> website in the form of </a:t>
             </a:r>
             <a:r>
-              <a:rPr lang="en-GB" dirty="0" err="1"/>
+              <a:rPr lang="en-GB" sz="2000" dirty="0" err="1"/>
               <a:t>json</a:t>
             </a:r>
             <a:r>
-              <a:rPr lang="en-GB" dirty="0"/>
-              <a:t> files. I selected from them the desired field, filtered some errors and converting the resulting data frame into a combined CSV file.</a:t>
+              <a:rPr lang="en-GB" sz="2000" dirty="0"/>
+              <a:t> files. I selected from them the desired fields, filtered some errors and concatenated the resulting data frames into a combined CSV file.</a:t>
             </a:r>
           </a:p>
           <a:p>
@@ -26534,16 +27771,26 @@
               <a:buChar char="•"/>
             </a:pPr>
             <a:r>
-              <a:rPr lang="en-GB" dirty="0"/>
+              <a:rPr lang="en-GB" sz="2000" dirty="0"/>
               <a:t>The exploratory data analysis was based on this file, of approximately 856 </a:t>
             </a:r>
             <a:r>
-              <a:rPr lang="en-GB" dirty="0" err="1"/>
+              <a:rPr lang="en-GB" sz="2000" dirty="0" err="1"/>
               <a:t>MiB</a:t>
             </a:r>
             <a:r>
-              <a:rPr lang="en-GB" dirty="0"/>
+              <a:rPr lang="en-GB" sz="2000" dirty="0"/>
               <a:t>.</a:t>
+            </a:r>
+          </a:p>
+          <a:p>
+            <a:pPr marL="342900" indent="-342900">
+              <a:buFont typeface="Arial" panose="020B0604020202020204" pitchFamily="34" charset="0"/>
+              <a:buChar char="•"/>
+            </a:pPr>
+            <a:r>
+              <a:rPr lang="en-GB" sz="2000" dirty="0"/>
+              <a:t>This represents only part of the data available for the last 4 quarters.  It should be taken only as a (possibly not representative) sample of the data.</a:t>
             </a:r>
           </a:p>
         </p:txBody>

--- a/FDA_DrugAdverseEffectsAnalysis.pptx
+++ b/FDA_DrugAdverseEffectsAnalysis.pptx
@@ -26355,7 +26355,7 @@
           <a:p>
             <a:r>
               <a:rPr lang="en-GB" sz="2000" dirty="0"/>
-              <a:t>They are also other possibilities. Some of these approaches are based on classical statistics while some are Bayesian.  They have not been pursued as part of this exercise.</a:t>
+              <a:t>There are also other possibilities. Some of these approaches are based on classical statistics while some are Bayesian.  They have not been pursued as part of this exercise.</a:t>
             </a:r>
           </a:p>
         </p:txBody>
@@ -27054,7 +27054,7 @@
             </a:pPr>
             <a:r>
               <a:rPr lang="en-GB" sz="2000" dirty="0"/>
-              <a:t>Doing something similar to a bio-informatics enrichment analysis, by constructing two-by-two contingency tables for each adverse effect and each country and deciding on which metric we should compared to a  chi-square distribution in order to test for significance.</a:t>
+              <a:t>Doing something similar to a bio-informatics enrichment analysis, by constructing two-by-two contingency tables for each adverse effect and each country and deciding on which metric to choose in order to test for significance.  The resulting p-values could be use instead of the proportions of the previous option.</a:t>
             </a:r>
           </a:p>
           <a:p>
